--- a/presentation.pptx
+++ b/presentation.pptx
@@ -327,7 +327,7 @@
           <a:p>
             <a:fld id="{ACF1A1B0-862D-4909-A7DB-D8ADA062DFCA}" type="datetimeFigureOut">
               <a:rPr lang="en-US" dirty="0"/>
-              <a:t>11/13/2020</a:t>
+              <a:t>11/14/2020</a:t>
             </a:fld>
             <a:endParaRPr lang="en-US" dirty="0"/>
           </a:p>
@@ -550,7 +550,7 @@
           <a:p>
             <a:fld id="{7B156144-9CB7-4E3A-B87E-A382F9BE05EF}" type="datetimeFigureOut">
               <a:rPr lang="en-US" dirty="0"/>
-              <a:t>11/13/2020</a:t>
+              <a:t>11/14/2020</a:t>
             </a:fld>
             <a:endParaRPr lang="en-US" dirty="0"/>
           </a:p>
@@ -728,7 +728,7 @@
           <a:p>
             <a:fld id="{2643D55F-46AB-4791-9172-4FA8DD3A6A9C}" type="datetimeFigureOut">
               <a:rPr lang="en-US" dirty="0"/>
-              <a:t>11/13/2020</a:t>
+              <a:t>11/14/2020</a:t>
             </a:fld>
             <a:endParaRPr lang="en-US" dirty="0"/>
           </a:p>
@@ -896,7 +896,7 @@
           <a:p>
             <a:fld id="{58026881-8A08-449C-8D73-E5F201F814C1}" type="datetimeFigureOut">
               <a:rPr lang="en-US" dirty="0"/>
-              <a:t>11/13/2020</a:t>
+              <a:t>11/14/2020</a:t>
             </a:fld>
             <a:endParaRPr lang="en-US" dirty="0"/>
           </a:p>
@@ -1186,7 +1186,7 @@
           <a:p>
             <a:fld id="{1BEB5A5E-0C07-4E93-A112-D37B4D166B30}" type="datetimeFigureOut">
               <a:rPr lang="en-US" dirty="0"/>
-              <a:t>11/13/2020</a:t>
+              <a:t>11/14/2020</a:t>
             </a:fld>
             <a:endParaRPr lang="en-US" dirty="0"/>
           </a:p>
@@ -1509,7 +1509,7 @@
           <a:p>
             <a:fld id="{9E1F71C5-DC57-4358-A1EA-30C08AF6E3C5}" type="datetimeFigureOut">
               <a:rPr lang="en-US" dirty="0"/>
-              <a:t>11/13/2020</a:t>
+              <a:t>11/14/2020</a:t>
             </a:fld>
             <a:endParaRPr lang="en-US" dirty="0"/>
           </a:p>
@@ -1918,7 +1918,7 @@
           <a:p>
             <a:fld id="{12571DBA-DE60-4731-B773-47AAA185C143}" type="datetimeFigureOut">
               <a:rPr lang="en-US" dirty="0"/>
-              <a:t>11/13/2020</a:t>
+              <a:t>11/14/2020</a:t>
             </a:fld>
             <a:endParaRPr lang="en-US" dirty="0"/>
           </a:p>
@@ -2035,7 +2035,7 @@
           <a:p>
             <a:fld id="{4F170639-886C-4FCF-9EAB-ABB5DA3F3F4A}" type="datetimeFigureOut">
               <a:rPr lang="en-US" dirty="0"/>
-              <a:t>11/13/2020</a:t>
+              <a:t>11/14/2020</a:t>
             </a:fld>
             <a:endParaRPr lang="en-US" dirty="0"/>
           </a:p>
@@ -2130,7 +2130,7 @@
           <a:p>
             <a:fld id="{34C4A628-C83B-4C66-83F4-1711CE3738FD}" type="datetimeFigureOut">
               <a:rPr lang="en-US" dirty="0"/>
-              <a:t>11/13/2020</a:t>
+              <a:t>11/14/2020</a:t>
             </a:fld>
             <a:endParaRPr lang="en-US" dirty="0"/>
           </a:p>
@@ -2415,7 +2415,7 @@
           <a:p>
             <a:fld id="{B88C1D73-9400-43CA-A37F-F9B7D00DE14C}" type="datetimeFigureOut">
               <a:rPr lang="en-US" dirty="0"/>
-              <a:t>11/13/2020</a:t>
+              <a:t>11/14/2020</a:t>
             </a:fld>
             <a:endParaRPr lang="en-US" dirty="0"/>
           </a:p>
@@ -2687,7 +2687,7 @@
           <a:p>
             <a:fld id="{188B7711-B905-4633-B4D7-6F3A49A2E7D9}" type="datetimeFigureOut">
               <a:rPr lang="en-US" dirty="0"/>
-              <a:t>11/13/2020</a:t>
+              <a:t>11/14/2020</a:t>
             </a:fld>
             <a:endParaRPr lang="en-US" dirty="0"/>
           </a:p>
@@ -2937,7 +2937,7 @@
             <a:fld id="{89C235CF-BDA2-4E7E-8BBD-350479985E74}" type="datetimeFigureOut">
               <a:rPr lang="en-US" dirty="0"/>
               <a:pPr/>
-              <a:t>11/13/2020</a:t>
+              <a:t>11/14/2020</a:t>
             </a:fld>
             <a:endParaRPr lang="en-US" dirty="0"/>
           </a:p>
@@ -5428,14 +5428,110 @@
           <a:lstStyle/>
           <a:p>
             <a:r>
+              <a:rPr lang="ru-RU" dirty="0"/>
+              <a:t>Класс </a:t>
+            </a:r>
+            <a:r>
+              <a:rPr lang="ru-RU" dirty="0" err="1"/>
+              <a:t>PythonHighlighter</a:t>
+            </a:r>
+            <a:r>
+              <a:rPr lang="ru-RU" dirty="0"/>
+              <a:t> был взят со стороннего источника, который указан в начале файла. Были изменены цвета, добавлена </a:t>
+            </a:r>
+            <a:r>
+              <a:rPr lang="ru-RU" dirty="0" err="1"/>
+              <a:t>подстветка</a:t>
+            </a:r>
+            <a:r>
+              <a:rPr lang="ru-RU" dirty="0"/>
+              <a:t> встроенных функций, аргументов методов </a:t>
+            </a:r>
+            <a:r>
+              <a:rPr lang="ru-RU" dirty="0" err="1"/>
+              <a:t>self</a:t>
+            </a:r>
+            <a:r>
+              <a:rPr lang="ru-RU" dirty="0"/>
+              <a:t> и </a:t>
+            </a:r>
+            <a:r>
+              <a:rPr lang="ru-RU" dirty="0" err="1"/>
+              <a:t>cls</a:t>
+            </a:r>
+            <a:r>
+              <a:rPr lang="ru-RU" dirty="0"/>
+              <a:t>, специальных методов (таких как __</a:t>
+            </a:r>
+            <a:r>
+              <a:rPr lang="ru-RU" dirty="0" err="1"/>
+              <a:t>init</a:t>
+            </a:r>
+            <a:r>
+              <a:rPr lang="ru-RU" dirty="0"/>
+              <a:t>__) и специальных глобальных переменных. Также, внесены некоторые правки</a:t>
+            </a:r>
+          </a:p>
+          <a:p>
+            <a:r>
+              <a:rPr lang="ru-RU" dirty="0" err="1"/>
+              <a:t>SettingsWindow</a:t>
+            </a:r>
+            <a:r>
+              <a:rPr lang="ru-RU" dirty="0"/>
+              <a:t> наследуется от </a:t>
+            </a:r>
+            <a:r>
+              <a:rPr lang="ru-RU" dirty="0" err="1"/>
+              <a:t>FramelessWindow</a:t>
+            </a:r>
+            <a:r>
+              <a:rPr lang="ru-RU" dirty="0"/>
+              <a:t> и является дочерним окном с настройками, которое появляется после нажатия соответствующего поля в меню </a:t>
+            </a:r>
+            <a:r>
+              <a:rPr lang="ru-RU" dirty="0" err="1"/>
+              <a:t>Tools</a:t>
+            </a:r>
+            <a:r>
+              <a:rPr lang="ru-RU" dirty="0"/>
+              <a:t>. Пока существует две настройки: включение/выключение </a:t>
+            </a:r>
+            <a:r>
+              <a:rPr lang="ru-RU" dirty="0" err="1"/>
+              <a:t>подстветки</a:t>
+            </a:r>
+            <a:r>
+              <a:rPr lang="ru-RU" dirty="0"/>
+              <a:t> синтаксиса и включение </a:t>
+            </a:r>
+            <a:r>
+              <a:rPr lang="ru-RU" dirty="0" err="1"/>
+              <a:t>undo</a:t>
+            </a:r>
+            <a:r>
+              <a:rPr lang="ru-RU" dirty="0"/>
+              <a:t>/</a:t>
+            </a:r>
+            <a:r>
+              <a:rPr lang="ru-RU" dirty="0" err="1"/>
+              <a:t>redo</a:t>
+            </a:r>
+            <a:r>
+              <a:rPr lang="ru-RU" dirty="0"/>
+              <a:t> (об этом позже). Вторую настройку пришлось </a:t>
+            </a:r>
+            <a:r>
               <a:rPr lang="ru-RU"/>
-              <a:t>Класс PythonHighlighter был взят со стороннего источника, который указан в начале файла. Были изменены цвета, добавлена подстветка встроенных функций, аргументов методов self и cls, специальных методов (таких как __init__) и специальных глобальных переменных. Также, внесены некоторые правки</a:t>
-            </a:r>
-          </a:p>
-          <a:p>
+              <a:t>временно </a:t>
+            </a:r>
+            <a:r>
+              <a:rPr lang="ru-RU" smtClean="0"/>
+              <a:t>отключить </a:t>
+            </a:r>
             <a:r>
               <a:rPr lang="ru-RU"/>
-              <a:t>SettingsWindow наследуется от FramelessWindow и является дочерним окном с настройками, которое появляется после нажатия соответствующего поля в меню Tools. Пока существует две настройки: включение/выключение подстветки синтаксиса и включение undo/redo (об этом позже). Вторую настройку пришлось временно отключитт из-за ошибок</a:t>
+              <a:t>из-за ошибок</a:t>
             </a:r>
           </a:p>
           <a:p>
